--- a/Slide/SE-projects-2015.pptx
+++ b/Slide/SE-projects-2015.pptx
@@ -113,7 +113,7 @@
   </p:defaultTextStyle>
   <p:extLst>
     <p:ext uri="{EFAFB233-063F-42B5-8137-9DF3F51BA10A}">
-      <p15:sldGuideLst xmlns:p15="http://schemas.microsoft.com/office/powerpoint/2012/main"/>
+      <p15:sldGuideLst xmlns:p15="http://schemas.microsoft.com/office/powerpoint/2012/main" xmlns=""/>
     </p:ext>
   </p:extLst>
 </p:presentation>
@@ -250,7 +250,7 @@
           <a:p>
             <a:fld id="{910C3FC1-5AEC-417B-8A09-129E6028F825}" type="datetimeFigureOut">
               <a:rPr lang="en-US" smtClean="0"/>
-              <a:t>15-Sep-15</a:t>
+              <a:t>9/22/2015</a:t>
             </a:fld>
             <a:endParaRPr lang="en-US"/>
           </a:p>
@@ -430,7 +430,7 @@
           <a:p>
             <a:fld id="{910C3FC1-5AEC-417B-8A09-129E6028F825}" type="datetimeFigureOut">
               <a:rPr lang="en-US" smtClean="0"/>
-              <a:t>15-Sep-15</a:t>
+              <a:t>9/22/2015</a:t>
             </a:fld>
             <a:endParaRPr lang="en-US"/>
           </a:p>
@@ -613,7 +613,7 @@
           <a:p>
             <a:fld id="{910C3FC1-5AEC-417B-8A09-129E6028F825}" type="datetimeFigureOut">
               <a:rPr lang="en-US" smtClean="0"/>
-              <a:t>15-Sep-15</a:t>
+              <a:t>9/22/2015</a:t>
             </a:fld>
             <a:endParaRPr lang="en-US"/>
           </a:p>
@@ -786,7 +786,7 @@
           <a:p>
             <a:fld id="{910C3FC1-5AEC-417B-8A09-129E6028F825}" type="datetimeFigureOut">
               <a:rPr lang="en-US" smtClean="0"/>
-              <a:t>15-Sep-15</a:t>
+              <a:t>9/22/2015</a:t>
             </a:fld>
             <a:endParaRPr lang="en-US"/>
           </a:p>
@@ -1035,7 +1035,7 @@
           <a:p>
             <a:fld id="{910C3FC1-5AEC-417B-8A09-129E6028F825}" type="datetimeFigureOut">
               <a:rPr lang="en-US" smtClean="0"/>
-              <a:t>15-Sep-15</a:t>
+              <a:t>9/22/2015</a:t>
             </a:fld>
             <a:endParaRPr lang="en-US"/>
           </a:p>
@@ -1270,7 +1270,7 @@
           <a:p>
             <a:fld id="{910C3FC1-5AEC-417B-8A09-129E6028F825}" type="datetimeFigureOut">
               <a:rPr lang="en-US" smtClean="0"/>
-              <a:t>15-Sep-15</a:t>
+              <a:t>9/22/2015</a:t>
             </a:fld>
             <a:endParaRPr lang="en-US"/>
           </a:p>
@@ -1640,7 +1640,7 @@
           <a:p>
             <a:fld id="{910C3FC1-5AEC-417B-8A09-129E6028F825}" type="datetimeFigureOut">
               <a:rPr lang="en-US" smtClean="0"/>
-              <a:t>15-Sep-15</a:t>
+              <a:t>9/22/2015</a:t>
             </a:fld>
             <a:endParaRPr lang="en-US"/>
           </a:p>
@@ -1761,7 +1761,7 @@
           <a:p>
             <a:fld id="{910C3FC1-5AEC-417B-8A09-129E6028F825}" type="datetimeFigureOut">
               <a:rPr lang="en-US" smtClean="0"/>
-              <a:t>15-Sep-15</a:t>
+              <a:t>9/22/2015</a:t>
             </a:fld>
             <a:endParaRPr lang="en-US"/>
           </a:p>
@@ -1859,7 +1859,7 @@
           <a:p>
             <a:fld id="{910C3FC1-5AEC-417B-8A09-129E6028F825}" type="datetimeFigureOut">
               <a:rPr lang="en-US" smtClean="0"/>
-              <a:t>15-Sep-15</a:t>
+              <a:t>9/22/2015</a:t>
             </a:fld>
             <a:endParaRPr lang="en-US"/>
           </a:p>
@@ -2139,7 +2139,7 @@
           <a:p>
             <a:fld id="{910C3FC1-5AEC-417B-8A09-129E6028F825}" type="datetimeFigureOut">
               <a:rPr lang="en-US" smtClean="0"/>
-              <a:t>15-Sep-15</a:t>
+              <a:t>9/22/2015</a:t>
             </a:fld>
             <a:endParaRPr lang="en-US"/>
           </a:p>
@@ -2399,7 +2399,7 @@
           <a:p>
             <a:fld id="{910C3FC1-5AEC-417B-8A09-129E6028F825}" type="datetimeFigureOut">
               <a:rPr lang="en-US" smtClean="0"/>
-              <a:t>15-Sep-15</a:t>
+              <a:t>9/22/2015</a:t>
             </a:fld>
             <a:endParaRPr lang="en-US"/>
           </a:p>
@@ -2615,7 +2615,7 @@
           <a:p>
             <a:fld id="{910C3FC1-5AEC-417B-8A09-129E6028F825}" type="datetimeFigureOut">
               <a:rPr lang="en-US" smtClean="0"/>
-              <a:t>15-Sep-15</a:t>
+              <a:t>9/22/2015</a:t>
             </a:fld>
             <a:endParaRPr lang="en-US"/>
           </a:p>
@@ -3172,7 +3172,19 @@
             </a:r>
             <a:r>
               <a:rPr lang="en-US" dirty="0" smtClean="0"/>
-              <a:t>/Firebase for Web API</a:t>
+              <a:t>/Firebase for </a:t>
+            </a:r>
+            <a:r>
+              <a:rPr lang="en-US" smtClean="0"/>
+              <a:t>Web </a:t>
+            </a:r>
+            <a:r>
+              <a:rPr lang="en-US"/>
+              <a:t>API, </a:t>
+            </a:r>
+            <a:r>
+              <a:rPr lang="en-US"/>
+              <a:t>node.js </a:t>
             </a:r>
             <a:endParaRPr lang="en-US" dirty="0" smtClean="0"/>
           </a:p>
@@ -3195,25 +3207,28 @@
             </a:r>
             <a:r>
               <a:rPr lang="en-US" dirty="0" smtClean="0"/>
-              <a:t> (Facebook), Web components, vue.js</a:t>
-            </a:r>
-          </a:p>
-          <a:p>
-            <a:r>
-              <a:rPr lang="en-US" dirty="0" smtClean="0"/>
-              <a:t>Mobile: Ionic</a:t>
-            </a:r>
-          </a:p>
-          <a:p>
-            <a:r>
-              <a:rPr lang="en-US" dirty="0" smtClean="0"/>
-              <a:t>UI: Material Design, Bootstrap </a:t>
-            </a:r>
-            <a:r>
-              <a:rPr lang="en-US" dirty="0" smtClean="0"/>
-              <a:t>4/Semantic-UI/Foundation</a:t>
-            </a:r>
-            <a:endParaRPr lang="en-US" dirty="0" smtClean="0"/>
+              <a:t> (Facebook), Web components, </a:t>
+            </a:r>
+            <a:r>
+              <a:rPr lang="en-US" dirty="0" smtClean="0"/>
+              <a:t>vue.js, </a:t>
+            </a:r>
+          </a:p>
+          <a:p>
+            <a:r>
+              <a:rPr lang="en-US" dirty="0" smtClean="0"/>
+              <a:t>Mobile</a:t>
+            </a:r>
+            <a:r>
+              <a:rPr lang="en-US" dirty="0" smtClean="0"/>
+              <a:t>: Ionic</a:t>
+            </a:r>
+          </a:p>
+          <a:p>
+            <a:r>
+              <a:rPr lang="en-US" dirty="0" smtClean="0"/>
+              <a:t>UI: Material Design, Bootstrap 4/Semantic-UI/Foundation</a:t>
+            </a:r>
           </a:p>
           <a:p>
             <a:r>
@@ -3228,7 +3243,6 @@
               <a:rPr lang="en-US" dirty="0" smtClean="0"/>
               <a:t>, Jenkins-ci</a:t>
             </a:r>
-            <a:endParaRPr lang="en-US" dirty="0" smtClean="0"/>
           </a:p>
           <a:p>
             <a:r>
@@ -3357,21 +3371,11 @@
               <a:rPr lang="en-US" dirty="0" smtClean="0">
                 <a:hlinkClick r:id="rId2"/>
               </a:rPr>
-              <a:t>https://</a:t>
-            </a:r>
-            <a:r>
-              <a:rPr lang="en-US" dirty="0" smtClean="0">
-                <a:hlinkClick r:id="rId2"/>
-              </a:rPr>
-              <a:t>polymer-topeka.appspot.com</a:t>
-            </a:r>
-            <a:r>
-              <a:rPr lang="en-US" dirty="0" smtClean="0"/>
-              <a:t>, rebuild </a:t>
-            </a:r>
-            <a:r>
-              <a:rPr lang="en-US" dirty="0" smtClean="0"/>
-              <a:t>it</a:t>
+              <a:t>https://polymer-topeka.appspot.com</a:t>
+            </a:r>
+            <a:r>
+              <a:rPr lang="en-US" dirty="0" smtClean="0"/>
+              <a:t>, rebuild it</a:t>
             </a:r>
           </a:p>
           <a:p>
@@ -3537,19 +3541,13 @@
               <a:rPr lang="en-US" dirty="0" smtClean="0"/>
               <a:t>Online Learning Platform</a:t>
             </a:r>
-            <a:endParaRPr lang="en-US" dirty="0" smtClean="0"/>
           </a:p>
           <a:p>
             <a:pPr lvl="1"/>
             <a:r>
               <a:rPr lang="en-US" dirty="0" smtClean="0"/>
-              <a:t>Base </a:t>
-            </a:r>
-            <a:r>
-              <a:rPr lang="en-US" dirty="0" smtClean="0"/>
-              <a:t>on olm.vn, rebuild it</a:t>
-            </a:r>
-            <a:endParaRPr lang="en-US" dirty="0" smtClean="0"/>
+              <a:t>Base on olm.vn, rebuild it</a:t>
+            </a:r>
           </a:p>
           <a:p>
             <a:pPr lvl="2"/>
@@ -3583,7 +3581,6 @@
               <a:rPr lang="en-US" dirty="0" smtClean="0"/>
               <a:t>More teams can join</a:t>
             </a:r>
-            <a:endParaRPr lang="en-US" dirty="0" smtClean="0"/>
           </a:p>
         </p:txBody>
       </p:sp>
@@ -3816,11 +3813,7 @@
             </a:r>
             <a:r>
               <a:rPr lang="en-US" dirty="0" smtClean="0"/>
-              <a:t> </a:t>
-            </a:r>
-            <a:r>
-              <a:rPr lang="en-US" dirty="0" smtClean="0"/>
-              <a:t>week: discussion</a:t>
+              <a:t> week: discussion</a:t>
             </a:r>
           </a:p>
           <a:p>
@@ -4462,7 +4455,7 @@
   <a:extraClrSchemeLst/>
   <a:extLst>
     <a:ext uri="{05A4C25C-085E-4340-85A3-A5531E510DB2}">
-      <thm15:themeFamily xmlns:thm15="http://schemas.microsoft.com/office/thememl/2012/main" name="Material" id="{2F32134D-2E94-4870-A2DA-6C4116317EAC}" vid="{D1A70F65-C28E-41AC-B4EF-8DE0261574AA}"/>
+      <thm15:themeFamily xmlns:thm15="http://schemas.microsoft.com/office/thememl/2012/main" xmlns="" name="Material" id="{2F32134D-2E94-4870-A2DA-6C4116317EAC}" vid="{D1A70F65-C28E-41AC-B4EF-8DE0261574AA}"/>
     </a:ext>
   </a:extLst>
 </a:theme>
